--- a/SDV Hackathon 2025 - Pitching Session.pptx
+++ b/SDV Hackathon 2025 - Pitching Session.pptx
@@ -953,7 +953,7 @@
   <p:cSld>
     <p:spTree>
       <p:nvGrpSpPr>
-        <p:cNvPr id="169" name="Shape 169"/>
+        <p:cNvPr id="173" name="Shape 173"/>
         <p:cNvGrpSpPr/>
         <p:nvPr/>
       </p:nvGrpSpPr>
@@ -967,7 +967,7 @@
       </p:grpSpPr>
       <p:sp>
         <p:nvSpPr>
-          <p:cNvPr id="170" name="Google Shape;170;g387ceb4408b_2_418:notes"/>
+          <p:cNvPr id="174" name="Google Shape;174;g387ceb4408b_2_418:notes"/>
           <p:cNvSpPr/>
           <p:nvPr>
             <p:ph idx="2" type="sldImg"/>
@@ -1012,7 +1012,7 @@
       </p:sp>
       <p:sp>
         <p:nvSpPr>
-          <p:cNvPr id="171" name="Google Shape;171;g387ceb4408b_2_418:notes"/>
+          <p:cNvPr id="175" name="Google Shape;175;g387ceb4408b_2_418:notes"/>
           <p:cNvSpPr txBox="1"/>
           <p:nvPr>
             <p:ph idx="1" type="body"/>
@@ -1070,7 +1070,7 @@
   <p:cSld>
     <p:spTree>
       <p:nvGrpSpPr>
-        <p:cNvPr id="176" name="Shape 176"/>
+        <p:cNvPr id="180" name="Shape 180"/>
         <p:cNvGrpSpPr/>
         <p:nvPr/>
       </p:nvGrpSpPr>
@@ -1084,7 +1084,7 @@
       </p:grpSpPr>
       <p:sp>
         <p:nvSpPr>
-          <p:cNvPr id="177" name="Google Shape;177;g387ceb4408b_2_503:notes"/>
+          <p:cNvPr id="181" name="Google Shape;181;g387ceb4408b_2_503:notes"/>
           <p:cNvSpPr/>
           <p:nvPr>
             <p:ph idx="2" type="sldImg"/>
@@ -1129,7 +1129,7 @@
       </p:sp>
       <p:sp>
         <p:nvSpPr>
-          <p:cNvPr id="178" name="Google Shape;178;g387ceb4408b_2_503:notes"/>
+          <p:cNvPr id="182" name="Google Shape;182;g387ceb4408b_2_503:notes"/>
           <p:cNvSpPr txBox="1"/>
           <p:nvPr>
             <p:ph idx="1" type="body"/>
@@ -1187,7 +1187,7 @@
   <p:cSld>
     <p:spTree>
       <p:nvGrpSpPr>
-        <p:cNvPr id="183" name="Shape 183"/>
+        <p:cNvPr id="187" name="Shape 187"/>
         <p:cNvGrpSpPr/>
         <p:nvPr/>
       </p:nvGrpSpPr>
@@ -1201,7 +1201,7 @@
       </p:grpSpPr>
       <p:sp>
         <p:nvSpPr>
-          <p:cNvPr id="184" name="Google Shape;184;g387ceb4408b_2_509:notes"/>
+          <p:cNvPr id="188" name="Google Shape;188;g387ceb4408b_2_509:notes"/>
           <p:cNvSpPr/>
           <p:nvPr>
             <p:ph idx="2" type="sldImg"/>
@@ -1246,7 +1246,7 @@
       </p:sp>
       <p:sp>
         <p:nvSpPr>
-          <p:cNvPr id="185" name="Google Shape;185;g387ceb4408b_2_509:notes"/>
+          <p:cNvPr id="189" name="Google Shape;189;g387ceb4408b_2_509:notes"/>
           <p:cNvSpPr txBox="1"/>
           <p:nvPr>
             <p:ph idx="1" type="body"/>
@@ -1304,7 +1304,7 @@
   <p:cSld>
     <p:spTree>
       <p:nvGrpSpPr>
-        <p:cNvPr id="190" name="Shape 190"/>
+        <p:cNvPr id="194" name="Shape 194"/>
         <p:cNvGrpSpPr/>
         <p:nvPr/>
       </p:nvGrpSpPr>
@@ -1318,7 +1318,7 @@
       </p:grpSpPr>
       <p:sp>
         <p:nvSpPr>
-          <p:cNvPr id="191" name="Google Shape;191;g387ceb4408b_2_515:notes"/>
+          <p:cNvPr id="195" name="Google Shape;195;g387ceb4408b_2_515:notes"/>
           <p:cNvSpPr/>
           <p:nvPr>
             <p:ph idx="2" type="sldImg"/>
@@ -1363,7 +1363,7 @@
       </p:sp>
       <p:sp>
         <p:nvSpPr>
-          <p:cNvPr id="192" name="Google Shape;192;g387ceb4408b_2_515:notes"/>
+          <p:cNvPr id="196" name="Google Shape;196;g387ceb4408b_2_515:notes"/>
           <p:cNvSpPr txBox="1"/>
           <p:nvPr>
             <p:ph idx="1" type="body"/>
@@ -1421,7 +1421,7 @@
   <p:cSld>
     <p:spTree>
       <p:nvGrpSpPr>
-        <p:cNvPr id="197" name="Shape 197"/>
+        <p:cNvPr id="201" name="Shape 201"/>
         <p:cNvGrpSpPr/>
         <p:nvPr/>
       </p:nvGrpSpPr>
@@ -1435,7 +1435,7 @@
       </p:grpSpPr>
       <p:sp>
         <p:nvSpPr>
-          <p:cNvPr id="198" name="Google Shape;198;g387ceb4408b_2_521:notes"/>
+          <p:cNvPr id="202" name="Google Shape;202;g387ceb4408b_2_521:notes"/>
           <p:cNvSpPr/>
           <p:nvPr>
             <p:ph idx="2" type="sldImg"/>
@@ -1480,7 +1480,7 @@
       </p:sp>
       <p:sp>
         <p:nvSpPr>
-          <p:cNvPr id="199" name="Google Shape;199;g387ceb4408b_2_521:notes"/>
+          <p:cNvPr id="203" name="Google Shape;203;g387ceb4408b_2_521:notes"/>
           <p:cNvSpPr txBox="1"/>
           <p:nvPr>
             <p:ph idx="1" type="body"/>
@@ -1538,7 +1538,7 @@
   <p:cSld>
     <p:spTree>
       <p:nvGrpSpPr>
-        <p:cNvPr id="204" name="Shape 204"/>
+        <p:cNvPr id="208" name="Shape 208"/>
         <p:cNvGrpSpPr/>
         <p:nvPr/>
       </p:nvGrpSpPr>
@@ -1552,7 +1552,7 @@
       </p:grpSpPr>
       <p:sp>
         <p:nvSpPr>
-          <p:cNvPr id="205" name="Google Shape;205;g387ceb4408b_2_527:notes"/>
+          <p:cNvPr id="209" name="Google Shape;209;g387ceb4408b_2_527:notes"/>
           <p:cNvSpPr/>
           <p:nvPr>
             <p:ph idx="2" type="sldImg"/>
@@ -1597,7 +1597,7 @@
       </p:sp>
       <p:sp>
         <p:nvSpPr>
-          <p:cNvPr id="206" name="Google Shape;206;g387ceb4408b_2_527:notes"/>
+          <p:cNvPr id="210" name="Google Shape;210;g387ceb4408b_2_527:notes"/>
           <p:cNvSpPr txBox="1"/>
           <p:nvPr>
             <p:ph idx="1" type="body"/>
@@ -18174,245 +18174,7 @@
         </p:nvSpPr>
         <p:spPr>
           <a:xfrm>
-            <a:off x="2658535" y="1652824"/>
-            <a:ext cx="5667000" cy="305400"/>
-          </a:xfrm>
-          <a:prstGeom prst="rect">
-            <a:avLst/>
-          </a:prstGeom>
-          <a:noFill/>
-          <a:ln>
-            <a:noFill/>
-          </a:ln>
-        </p:spPr>
-        <p:txBody>
-          <a:bodyPr anchorCtr="0" anchor="t" bIns="0" lIns="0" spcFirstLastPara="1" rIns="0" wrap="square" tIns="27925">
-            <a:spAutoFit/>
-          </a:bodyPr>
-          <a:lstStyle/>
-          <a:p>
-            <a:pPr indent="0" lvl="0" marL="0" rtl="0" algn="l">
-              <a:spcBef>
-                <a:spcPts val="0"/>
-              </a:spcBef>
-              <a:spcAft>
-                <a:spcPts val="0"/>
-              </a:spcAft>
-              <a:buNone/>
-            </a:pPr>
-            <a:r>
-              <a:rPr lang="en" sz="1800">
-                <a:solidFill>
-                  <a:srgbClr val="FFFFFF"/>
-                </a:solidFill>
-                <a:latin typeface="Roboto"/>
-                <a:ea typeface="Roboto"/>
-                <a:cs typeface="Roboto"/>
-                <a:sym typeface="Roboto"/>
-              </a:rPr>
-              <a:t>02.09.</a:t>
-            </a:r>
-            <a:r>
-              <a:rPr lang="en" sz="1800">
-                <a:solidFill>
-                  <a:schemeClr val="lt1"/>
-                </a:solidFill>
-                <a:latin typeface="Roboto"/>
-                <a:ea typeface="Roboto"/>
-                <a:cs typeface="Roboto"/>
-                <a:sym typeface="Roboto"/>
-              </a:rPr>
-              <a:t>2025 | Evaluation done by the Coaches</a:t>
-            </a:r>
-            <a:endParaRPr sz="1800">
-              <a:solidFill>
-                <a:schemeClr val="lt1"/>
-              </a:solidFill>
-              <a:latin typeface="Roboto"/>
-              <a:ea typeface="Roboto"/>
-              <a:cs typeface="Roboto"/>
-              <a:sym typeface="Roboto"/>
-            </a:endParaRPr>
-          </a:p>
-        </p:txBody>
-      </p:sp>
-      <p:grpSp>
-        <p:nvGrpSpPr>
-          <p:cNvPr id="154" name="Google Shape;154;p32"/>
-          <p:cNvGrpSpPr/>
-          <p:nvPr/>
-        </p:nvGrpSpPr>
-        <p:grpSpPr>
-          <a:xfrm>
-            <a:off x="360055" y="1679526"/>
-            <a:ext cx="2625612" cy="564584"/>
-            <a:chOff x="441363" y="2145017"/>
-            <a:chExt cx="2625612" cy="564584"/>
-          </a:xfrm>
-        </p:grpSpPr>
-        <p:sp>
-          <p:nvSpPr>
-            <p:cNvPr id="155" name="Google Shape;155;p32"/>
-            <p:cNvSpPr txBox="1"/>
-            <p:nvPr/>
-          </p:nvSpPr>
-          <p:spPr>
-            <a:xfrm>
-              <a:off x="441375" y="2145017"/>
-              <a:ext cx="2625600" cy="536100"/>
-            </a:xfrm>
-            <a:prstGeom prst="rect">
-              <a:avLst/>
-            </a:prstGeom>
-            <a:noFill/>
-            <a:ln>
-              <a:noFill/>
-            </a:ln>
-          </p:spPr>
-          <p:txBody>
-            <a:bodyPr anchorCtr="0" anchor="t" bIns="0" lIns="0" spcFirstLastPara="1" rIns="0" wrap="square" tIns="12700">
-              <a:spAutoFit/>
-            </a:bodyPr>
-            <a:lstStyle/>
-            <a:p>
-              <a:pPr indent="0" lvl="0" marL="12700" marR="0" rtl="0" algn="l">
-                <a:lnSpc>
-                  <a:spcPct val="100000"/>
-                </a:lnSpc>
-                <a:spcBef>
-                  <a:spcPts val="0"/>
-                </a:spcBef>
-                <a:spcAft>
-                  <a:spcPts val="0"/>
-                </a:spcAft>
-                <a:buNone/>
-              </a:pPr>
-              <a:r>
-                <a:rPr lang="en" sz="1700">
-                  <a:solidFill>
-                    <a:schemeClr val="lt1"/>
-                  </a:solidFill>
-                  <a:latin typeface="Audiowide"/>
-                  <a:ea typeface="Audiowide"/>
-                  <a:cs typeface="Audiowide"/>
-                  <a:sym typeface="Audiowide"/>
-                </a:rPr>
-                <a:t>FIRST </a:t>
-              </a:r>
-              <a:endParaRPr sz="1700">
-                <a:solidFill>
-                  <a:schemeClr val="lt1"/>
-                </a:solidFill>
-                <a:latin typeface="Audiowide"/>
-                <a:ea typeface="Audiowide"/>
-                <a:cs typeface="Audiowide"/>
-                <a:sym typeface="Audiowide"/>
-              </a:endParaRPr>
-            </a:p>
-            <a:p>
-              <a:pPr indent="0" lvl="0" marL="12700" marR="0" rtl="0" algn="l">
-                <a:lnSpc>
-                  <a:spcPct val="100000"/>
-                </a:lnSpc>
-                <a:spcBef>
-                  <a:spcPts val="0"/>
-                </a:spcBef>
-                <a:spcAft>
-                  <a:spcPts val="0"/>
-                </a:spcAft>
-                <a:buNone/>
-              </a:pPr>
-              <a:r>
-                <a:rPr lang="en" sz="1700">
-                  <a:solidFill>
-                    <a:schemeClr val="lt1"/>
-                  </a:solidFill>
-                  <a:latin typeface="Audiowide"/>
-                  <a:ea typeface="Audiowide"/>
-                  <a:cs typeface="Audiowide"/>
-                  <a:sym typeface="Audiowide"/>
-                </a:rPr>
-                <a:t>EVALUATION</a:t>
-              </a:r>
-              <a:endParaRPr sz="1700">
-                <a:solidFill>
-                  <a:schemeClr val="lt1"/>
-                </a:solidFill>
-                <a:latin typeface="Audiowide"/>
-                <a:ea typeface="Audiowide"/>
-                <a:cs typeface="Audiowide"/>
-                <a:sym typeface="Audiowide"/>
-              </a:endParaRPr>
-            </a:p>
-          </p:txBody>
-        </p:sp>
-        <p:sp>
-          <p:nvSpPr>
-            <p:cNvPr id="156" name="Google Shape;156;p32"/>
-            <p:cNvSpPr/>
-            <p:nvPr/>
-          </p:nvSpPr>
-          <p:spPr>
-            <a:xfrm>
-              <a:off x="441363" y="2709601"/>
-              <a:ext cx="1129664" cy="0"/>
-            </a:xfrm>
-            <a:custGeom>
-              <a:rect b="b" l="l" r="r" t="t"/>
-              <a:pathLst>
-                <a:path extrusionOk="0" h="120000" w="1129664">
-                  <a:moveTo>
-                    <a:pt x="0" y="0"/>
-                  </a:moveTo>
-                  <a:lnTo>
-                    <a:pt x="1129392" y="0"/>
-                  </a:lnTo>
-                </a:path>
-              </a:pathLst>
-            </a:custGeom>
-            <a:noFill/>
-            <a:ln cap="flat" cmpd="sng" w="47600">
-              <a:solidFill>
-                <a:srgbClr val="EE0C90"/>
-              </a:solidFill>
-              <a:prstDash val="solid"/>
-              <a:round/>
-              <a:headEnd len="sm" w="sm" type="none"/>
-              <a:tailEnd len="sm" w="sm" type="none"/>
-            </a:ln>
-          </p:spPr>
-          <p:txBody>
-            <a:bodyPr anchorCtr="0" anchor="t" bIns="0" lIns="0" spcFirstLastPara="1" rIns="0" wrap="square" tIns="0">
-              <a:noAutofit/>
-            </a:bodyPr>
-            <a:lstStyle/>
-            <a:p>
-              <a:pPr indent="0" lvl="0" marL="0" marR="0" rtl="0" algn="l">
-                <a:spcBef>
-                  <a:spcPts val="0"/>
-                </a:spcBef>
-                <a:spcAft>
-                  <a:spcPts val="0"/>
-                </a:spcAft>
-                <a:buNone/>
-              </a:pPr>
-              <a:r>
-                <a:t/>
-              </a:r>
-              <a:endParaRPr sz="1800"/>
-            </a:p>
-          </p:txBody>
-        </p:sp>
-      </p:grpSp>
-      <p:sp>
-        <p:nvSpPr>
-          <p:cNvPr id="157" name="Google Shape;157;p32"/>
-          <p:cNvSpPr txBox="1"/>
-          <p:nvPr/>
-        </p:nvSpPr>
-        <p:spPr>
-          <a:xfrm>
-            <a:off x="2658535" y="3504324"/>
+            <a:off x="2658535" y="3656724"/>
             <a:ext cx="5745600" cy="289800"/>
           </a:xfrm>
           <a:prstGeom prst="rect">
@@ -18464,13 +18226,13 @@
       </p:sp>
       <p:grpSp>
         <p:nvGrpSpPr>
-          <p:cNvPr id="158" name="Google Shape;158;p32"/>
+          <p:cNvPr id="154" name="Google Shape;154;p32"/>
           <p:cNvGrpSpPr/>
           <p:nvPr/>
         </p:nvGrpSpPr>
         <p:grpSpPr>
           <a:xfrm>
-            <a:off x="360055" y="3513278"/>
+            <a:off x="360055" y="3655026"/>
             <a:ext cx="2558400" cy="560132"/>
             <a:chOff x="395950" y="4202144"/>
             <a:chExt cx="2558400" cy="560132"/>
@@ -18478,7 +18240,7 @@
         </p:grpSpPr>
         <p:sp>
           <p:nvSpPr>
-            <p:cNvPr id="159" name="Google Shape;159;p32"/>
+            <p:cNvPr id="155" name="Google Shape;155;p32"/>
             <p:cNvSpPr txBox="1"/>
             <p:nvPr/>
           </p:nvSpPr>
@@ -18562,7 +18324,7 @@
         </p:sp>
         <p:sp>
           <p:nvSpPr>
-            <p:cNvPr id="160" name="Google Shape;160;p32"/>
+            <p:cNvPr id="156" name="Google Shape;156;p32"/>
             <p:cNvSpPr/>
             <p:nvPr/>
           </p:nvSpPr>
@@ -18620,13 +18382,251 @@
       </p:grpSp>
       <p:sp>
         <p:nvSpPr>
+          <p:cNvPr id="157" name="Google Shape;157;p32"/>
+          <p:cNvSpPr txBox="1"/>
+          <p:nvPr/>
+        </p:nvSpPr>
+        <p:spPr>
+          <a:xfrm>
+            <a:off x="2658535" y="1527607"/>
+            <a:ext cx="5667000" cy="305400"/>
+          </a:xfrm>
+          <a:prstGeom prst="rect">
+            <a:avLst/>
+          </a:prstGeom>
+          <a:noFill/>
+          <a:ln>
+            <a:noFill/>
+          </a:ln>
+        </p:spPr>
+        <p:txBody>
+          <a:bodyPr anchorCtr="0" anchor="t" bIns="0" lIns="0" spcFirstLastPara="1" rIns="0" wrap="square" tIns="27925">
+            <a:spAutoFit/>
+          </a:bodyPr>
+          <a:lstStyle/>
+          <a:p>
+            <a:pPr indent="0" lvl="0" marL="0" rtl="0" algn="l">
+              <a:spcBef>
+                <a:spcPts val="0"/>
+              </a:spcBef>
+              <a:spcAft>
+                <a:spcPts val="0"/>
+              </a:spcAft>
+              <a:buNone/>
+            </a:pPr>
+            <a:r>
+              <a:rPr lang="en" sz="1800">
+                <a:solidFill>
+                  <a:srgbClr val="FFFFFF"/>
+                </a:solidFill>
+                <a:latin typeface="Roboto"/>
+                <a:ea typeface="Roboto"/>
+                <a:cs typeface="Roboto"/>
+                <a:sym typeface="Roboto"/>
+              </a:rPr>
+              <a:t>02.10.</a:t>
+            </a:r>
+            <a:r>
+              <a:rPr lang="en" sz="1800">
+                <a:solidFill>
+                  <a:schemeClr val="lt1"/>
+                </a:solidFill>
+                <a:latin typeface="Roboto"/>
+                <a:ea typeface="Roboto"/>
+                <a:cs typeface="Roboto"/>
+                <a:sym typeface="Roboto"/>
+              </a:rPr>
+              <a:t>2025 | Evaluation done by the Coaches</a:t>
+            </a:r>
+            <a:endParaRPr sz="1800">
+              <a:solidFill>
+                <a:schemeClr val="lt1"/>
+              </a:solidFill>
+              <a:latin typeface="Roboto"/>
+              <a:ea typeface="Roboto"/>
+              <a:cs typeface="Roboto"/>
+              <a:sym typeface="Roboto"/>
+            </a:endParaRPr>
+          </a:p>
+        </p:txBody>
+      </p:sp>
+      <p:grpSp>
+        <p:nvGrpSpPr>
+          <p:cNvPr id="158" name="Google Shape;158;p32"/>
+          <p:cNvGrpSpPr/>
+          <p:nvPr/>
+        </p:nvGrpSpPr>
+        <p:grpSpPr>
+          <a:xfrm>
+            <a:off x="360055" y="1554310"/>
+            <a:ext cx="2625612" cy="564584"/>
+            <a:chOff x="441363" y="2145017"/>
+            <a:chExt cx="2625612" cy="564584"/>
+          </a:xfrm>
+        </p:grpSpPr>
+        <p:sp>
+          <p:nvSpPr>
+            <p:cNvPr id="159" name="Google Shape;159;p32"/>
+            <p:cNvSpPr txBox="1"/>
+            <p:nvPr/>
+          </p:nvSpPr>
+          <p:spPr>
+            <a:xfrm>
+              <a:off x="441375" y="2145017"/>
+              <a:ext cx="2625600" cy="536100"/>
+            </a:xfrm>
+            <a:prstGeom prst="rect">
+              <a:avLst/>
+            </a:prstGeom>
+            <a:noFill/>
+            <a:ln>
+              <a:noFill/>
+            </a:ln>
+          </p:spPr>
+          <p:txBody>
+            <a:bodyPr anchorCtr="0" anchor="t" bIns="0" lIns="0" spcFirstLastPara="1" rIns="0" wrap="square" tIns="12700">
+              <a:spAutoFit/>
+            </a:bodyPr>
+            <a:lstStyle/>
+            <a:p>
+              <a:pPr indent="0" lvl="0" marL="12700" marR="0" rtl="0" algn="l">
+                <a:lnSpc>
+                  <a:spcPct val="100000"/>
+                </a:lnSpc>
+                <a:spcBef>
+                  <a:spcPts val="0"/>
+                </a:spcBef>
+                <a:spcAft>
+                  <a:spcPts val="0"/>
+                </a:spcAft>
+                <a:buNone/>
+              </a:pPr>
+              <a:r>
+                <a:rPr lang="en" sz="1700">
+                  <a:solidFill>
+                    <a:schemeClr val="lt1"/>
+                  </a:solidFill>
+                  <a:latin typeface="Audiowide"/>
+                  <a:ea typeface="Audiowide"/>
+                  <a:cs typeface="Audiowide"/>
+                  <a:sym typeface="Audiowide"/>
+                </a:rPr>
+                <a:t>FIRST </a:t>
+              </a:r>
+              <a:endParaRPr sz="1700">
+                <a:solidFill>
+                  <a:schemeClr val="lt1"/>
+                </a:solidFill>
+                <a:latin typeface="Audiowide"/>
+                <a:ea typeface="Audiowide"/>
+                <a:cs typeface="Audiowide"/>
+                <a:sym typeface="Audiowide"/>
+              </a:endParaRPr>
+            </a:p>
+            <a:p>
+              <a:pPr indent="0" lvl="0" marL="12700" marR="0" rtl="0" algn="l">
+                <a:lnSpc>
+                  <a:spcPct val="100000"/>
+                </a:lnSpc>
+                <a:spcBef>
+                  <a:spcPts val="0"/>
+                </a:spcBef>
+                <a:spcAft>
+                  <a:spcPts val="0"/>
+                </a:spcAft>
+                <a:buNone/>
+              </a:pPr>
+              <a:r>
+                <a:rPr lang="en" sz="1700">
+                  <a:solidFill>
+                    <a:schemeClr val="lt1"/>
+                  </a:solidFill>
+                  <a:latin typeface="Audiowide"/>
+                  <a:ea typeface="Audiowide"/>
+                  <a:cs typeface="Audiowide"/>
+                  <a:sym typeface="Audiowide"/>
+                </a:rPr>
+                <a:t>EVALUATION</a:t>
+              </a:r>
+              <a:endParaRPr sz="1700">
+                <a:solidFill>
+                  <a:schemeClr val="lt1"/>
+                </a:solidFill>
+                <a:latin typeface="Audiowide"/>
+                <a:ea typeface="Audiowide"/>
+                <a:cs typeface="Audiowide"/>
+                <a:sym typeface="Audiowide"/>
+              </a:endParaRPr>
+            </a:p>
+          </p:txBody>
+        </p:sp>
+        <p:sp>
+          <p:nvSpPr>
+            <p:cNvPr id="160" name="Google Shape;160;p32"/>
+            <p:cNvSpPr/>
+            <p:nvPr/>
+          </p:nvSpPr>
+          <p:spPr>
+            <a:xfrm>
+              <a:off x="441363" y="2709601"/>
+              <a:ext cx="1129664" cy="0"/>
+            </a:xfrm>
+            <a:custGeom>
+              <a:rect b="b" l="l" r="r" t="t"/>
+              <a:pathLst>
+                <a:path extrusionOk="0" h="120000" w="1129664">
+                  <a:moveTo>
+                    <a:pt x="0" y="0"/>
+                  </a:moveTo>
+                  <a:lnTo>
+                    <a:pt x="1129392" y="0"/>
+                  </a:lnTo>
+                </a:path>
+              </a:pathLst>
+            </a:custGeom>
+            <a:noFill/>
+            <a:ln cap="flat" cmpd="sng" w="47600">
+              <a:solidFill>
+                <a:srgbClr val="EE0C90"/>
+              </a:solidFill>
+              <a:prstDash val="solid"/>
+              <a:round/>
+              <a:headEnd len="sm" w="sm" type="none"/>
+              <a:tailEnd len="sm" w="sm" type="none"/>
+            </a:ln>
+          </p:spPr>
+          <p:txBody>
+            <a:bodyPr anchorCtr="0" anchor="t" bIns="0" lIns="0" spcFirstLastPara="1" rIns="0" wrap="square" tIns="0">
+              <a:noAutofit/>
+            </a:bodyPr>
+            <a:lstStyle/>
+            <a:p>
+              <a:pPr indent="0" lvl="0" marL="0" marR="0" rtl="0" algn="l">
+                <a:spcBef>
+                  <a:spcPts val="0"/>
+                </a:spcBef>
+                <a:spcAft>
+                  <a:spcPts val="0"/>
+                </a:spcAft>
+                <a:buNone/>
+              </a:pPr>
+              <a:r>
+                <a:t/>
+              </a:r>
+              <a:endParaRPr sz="1800"/>
+            </a:p>
+          </p:txBody>
+        </p:sp>
+      </p:grpSp>
+      <p:sp>
+        <p:nvSpPr>
           <p:cNvPr id="161" name="Google Shape;161;p32"/>
           <p:cNvSpPr txBox="1"/>
           <p:nvPr/>
         </p:nvSpPr>
         <p:spPr>
           <a:xfrm>
-            <a:off x="2658535" y="2583499"/>
+            <a:off x="2658535" y="2971808"/>
             <a:ext cx="5928900" cy="305400"/>
           </a:xfrm>
           <a:prstGeom prst="rect">
@@ -18687,7 +18687,7 @@
         </p:nvGrpSpPr>
         <p:grpSpPr>
           <a:xfrm>
-            <a:off x="360055" y="2592470"/>
+            <a:off x="360055" y="2952166"/>
             <a:ext cx="2625612" cy="572449"/>
             <a:chOff x="441363" y="2881402"/>
             <a:chExt cx="2625612" cy="572449"/>
@@ -19073,6 +19073,258 @@
           </p:txBody>
         </p:sp>
       </p:grpSp>
+      <p:sp>
+        <p:nvSpPr>
+          <p:cNvPr id="169" name="Google Shape;169;p32"/>
+          <p:cNvSpPr txBox="1"/>
+          <p:nvPr/>
+        </p:nvSpPr>
+        <p:spPr>
+          <a:xfrm>
+            <a:off x="2658535" y="2230254"/>
+            <a:ext cx="5928900" cy="628500"/>
+          </a:xfrm>
+          <a:prstGeom prst="rect">
+            <a:avLst/>
+          </a:prstGeom>
+          <a:noFill/>
+          <a:ln>
+            <a:noFill/>
+          </a:ln>
+        </p:spPr>
+        <p:txBody>
+          <a:bodyPr anchorCtr="0" anchor="t" bIns="0" lIns="0" spcFirstLastPara="1" rIns="0" wrap="square" tIns="27925">
+            <a:spAutoFit/>
+          </a:bodyPr>
+          <a:lstStyle/>
+          <a:p>
+            <a:pPr indent="-487679" lvl="0" marL="499744" marR="5080" rtl="0" algn="l">
+              <a:lnSpc>
+                <a:spcPct val="116666"/>
+              </a:lnSpc>
+              <a:spcBef>
+                <a:spcPts val="0"/>
+              </a:spcBef>
+              <a:spcAft>
+                <a:spcPts val="0"/>
+              </a:spcAft>
+              <a:buNone/>
+            </a:pPr>
+            <a:r>
+              <a:rPr lang="en" sz="1800">
+                <a:solidFill>
+                  <a:srgbClr val="FFFFFF"/>
+                </a:solidFill>
+                <a:latin typeface="Roboto"/>
+                <a:ea typeface="Roboto"/>
+                <a:cs typeface="Roboto"/>
+                <a:sym typeface="Roboto"/>
+              </a:rPr>
+              <a:t>Finish and Upload you own Pitch Slides until</a:t>
+            </a:r>
+            <a:endParaRPr sz="1800">
+              <a:solidFill>
+                <a:srgbClr val="FFFFFF"/>
+              </a:solidFill>
+              <a:latin typeface="Roboto"/>
+              <a:ea typeface="Roboto"/>
+              <a:cs typeface="Roboto"/>
+              <a:sym typeface="Roboto"/>
+            </a:endParaRPr>
+          </a:p>
+          <a:p>
+            <a:pPr indent="-487679" lvl="0" marL="499744" marR="5080" rtl="0" algn="l">
+              <a:lnSpc>
+                <a:spcPct val="116666"/>
+              </a:lnSpc>
+              <a:spcBef>
+                <a:spcPts val="0"/>
+              </a:spcBef>
+              <a:spcAft>
+                <a:spcPts val="0"/>
+              </a:spcAft>
+              <a:buNone/>
+            </a:pPr>
+            <a:r>
+              <a:rPr lang="en" sz="1800">
+                <a:solidFill>
+                  <a:srgbClr val="FFFFFF"/>
+                </a:solidFill>
+                <a:latin typeface="Roboto"/>
+                <a:ea typeface="Roboto"/>
+                <a:cs typeface="Roboto"/>
+                <a:sym typeface="Roboto"/>
+              </a:rPr>
+              <a:t>02.10.2025 Berlin: (12:00 CET) / Porto 11:00 (GMT+1)</a:t>
+            </a:r>
+            <a:endParaRPr sz="1800">
+              <a:solidFill>
+                <a:srgbClr val="FFFFFF"/>
+              </a:solidFill>
+              <a:latin typeface="Roboto"/>
+              <a:ea typeface="Roboto"/>
+              <a:cs typeface="Roboto"/>
+              <a:sym typeface="Roboto"/>
+            </a:endParaRPr>
+          </a:p>
+        </p:txBody>
+      </p:sp>
+      <p:grpSp>
+        <p:nvGrpSpPr>
+          <p:cNvPr id="170" name="Google Shape;170;p32"/>
+          <p:cNvGrpSpPr/>
+          <p:nvPr/>
+        </p:nvGrpSpPr>
+        <p:grpSpPr>
+          <a:xfrm>
+            <a:off x="360055" y="2249305"/>
+            <a:ext cx="2625612" cy="572449"/>
+            <a:chOff x="441363" y="2881402"/>
+            <a:chExt cx="2625612" cy="572449"/>
+          </a:xfrm>
+        </p:grpSpPr>
+        <p:sp>
+          <p:nvSpPr>
+            <p:cNvPr id="171" name="Google Shape;171;p32"/>
+            <p:cNvSpPr txBox="1"/>
+            <p:nvPr/>
+          </p:nvSpPr>
+          <p:spPr>
+            <a:xfrm>
+              <a:off x="441375" y="2881402"/>
+              <a:ext cx="2625600" cy="536100"/>
+            </a:xfrm>
+            <a:prstGeom prst="rect">
+              <a:avLst/>
+            </a:prstGeom>
+            <a:noFill/>
+            <a:ln>
+              <a:noFill/>
+            </a:ln>
+          </p:spPr>
+          <p:txBody>
+            <a:bodyPr anchorCtr="0" anchor="t" bIns="0" lIns="0" spcFirstLastPara="1" rIns="0" wrap="square" tIns="12700">
+              <a:spAutoFit/>
+            </a:bodyPr>
+            <a:lstStyle/>
+            <a:p>
+              <a:pPr indent="0" lvl="0" marL="12700" marR="0" rtl="0" algn="l">
+                <a:lnSpc>
+                  <a:spcPct val="100000"/>
+                </a:lnSpc>
+                <a:spcBef>
+                  <a:spcPts val="0"/>
+                </a:spcBef>
+                <a:spcAft>
+                  <a:spcPts val="0"/>
+                </a:spcAft>
+                <a:buNone/>
+              </a:pPr>
+              <a:r>
+                <a:rPr lang="en" sz="1700">
+                  <a:solidFill>
+                    <a:schemeClr val="lt1"/>
+                  </a:solidFill>
+                  <a:latin typeface="Audiowide"/>
+                  <a:ea typeface="Audiowide"/>
+                  <a:cs typeface="Audiowide"/>
+                  <a:sym typeface="Audiowide"/>
+                </a:rPr>
+                <a:t>Upload Pitch </a:t>
+              </a:r>
+              <a:br>
+                <a:rPr lang="en" sz="1700">
+                  <a:solidFill>
+                    <a:schemeClr val="lt1"/>
+                  </a:solidFill>
+                  <a:latin typeface="Audiowide"/>
+                  <a:ea typeface="Audiowide"/>
+                  <a:cs typeface="Audiowide"/>
+                  <a:sym typeface="Audiowide"/>
+                </a:rPr>
+              </a:br>
+              <a:r>
+                <a:rPr lang="en" sz="1700">
+                  <a:solidFill>
+                    <a:schemeClr val="lt1"/>
+                  </a:solidFill>
+                  <a:latin typeface="Audiowide"/>
+                  <a:ea typeface="Audiowide"/>
+                  <a:cs typeface="Audiowide"/>
+                  <a:sym typeface="Audiowide"/>
+                </a:rPr>
+                <a:t>Slides</a:t>
+              </a:r>
+              <a:endParaRPr sz="1700">
+                <a:solidFill>
+                  <a:schemeClr val="lt1"/>
+                </a:solidFill>
+                <a:latin typeface="Audiowide"/>
+                <a:ea typeface="Audiowide"/>
+                <a:cs typeface="Audiowide"/>
+                <a:sym typeface="Audiowide"/>
+              </a:endParaRPr>
+            </a:p>
+          </p:txBody>
+        </p:sp>
+        <p:sp>
+          <p:nvSpPr>
+            <p:cNvPr id="172" name="Google Shape;172;p32"/>
+            <p:cNvSpPr/>
+            <p:nvPr/>
+          </p:nvSpPr>
+          <p:spPr>
+            <a:xfrm>
+              <a:off x="441363" y="3453851"/>
+              <a:ext cx="1129664" cy="0"/>
+            </a:xfrm>
+            <a:custGeom>
+              <a:rect b="b" l="l" r="r" t="t"/>
+              <a:pathLst>
+                <a:path extrusionOk="0" h="120000" w="1129664">
+                  <a:moveTo>
+                    <a:pt x="0" y="0"/>
+                  </a:moveTo>
+                  <a:lnTo>
+                    <a:pt x="1129392" y="0"/>
+                  </a:lnTo>
+                </a:path>
+              </a:pathLst>
+            </a:custGeom>
+            <a:noFill/>
+            <a:ln cap="flat" cmpd="sng" w="47600">
+              <a:solidFill>
+                <a:srgbClr val="EE0C90"/>
+              </a:solidFill>
+              <a:prstDash val="solid"/>
+              <a:round/>
+              <a:headEnd len="sm" w="sm" type="none"/>
+              <a:tailEnd len="sm" w="sm" type="none"/>
+            </a:ln>
+          </p:spPr>
+          <p:txBody>
+            <a:bodyPr anchorCtr="0" anchor="t" bIns="0" lIns="0" spcFirstLastPara="1" rIns="0" wrap="square" tIns="0">
+              <a:noAutofit/>
+            </a:bodyPr>
+            <a:lstStyle/>
+            <a:p>
+              <a:pPr indent="0" lvl="0" marL="0" marR="0" rtl="0" algn="l">
+                <a:spcBef>
+                  <a:spcPts val="0"/>
+                </a:spcBef>
+                <a:spcAft>
+                  <a:spcPts val="0"/>
+                </a:spcAft>
+                <a:buNone/>
+              </a:pPr>
+              <a:r>
+                <a:t/>
+              </a:r>
+              <a:endParaRPr sz="1800"/>
+            </a:p>
+          </p:txBody>
+        </p:sp>
+      </p:grpSp>
     </p:spTree>
   </p:cSld>
   <p:clrMapOvr>
@@ -19086,7 +19338,7 @@
   <p:cSld>
     <p:spTree>
       <p:nvGrpSpPr>
-        <p:cNvPr id="172" name="Shape 172"/>
+        <p:cNvPr id="176" name="Shape 176"/>
         <p:cNvGrpSpPr/>
         <p:nvPr/>
       </p:nvGrpSpPr>
@@ -19100,7 +19352,7 @@
       </p:grpSpPr>
       <p:pic>
         <p:nvPicPr>
-          <p:cNvPr id="173" name="Google Shape;173;p33"/>
+          <p:cNvPr id="177" name="Google Shape;177;p33"/>
           <p:cNvPicPr preferRelativeResize="0"/>
           <p:nvPr/>
         </p:nvPicPr>
@@ -19127,7 +19379,7 @@
       </p:pic>
       <p:sp>
         <p:nvSpPr>
-          <p:cNvPr id="174" name="Google Shape;174;p33"/>
+          <p:cNvPr id="178" name="Google Shape;178;p33"/>
           <p:cNvSpPr txBox="1"/>
           <p:nvPr>
             <p:ph type="title"/>
@@ -19184,7 +19436,7 @@
       </p:sp>
       <p:sp>
         <p:nvSpPr>
-          <p:cNvPr id="175" name="Google Shape;175;p33"/>
+          <p:cNvPr id="179" name="Google Shape;179;p33"/>
           <p:cNvSpPr txBox="1"/>
           <p:nvPr/>
         </p:nvSpPr>
@@ -19657,7 +19909,7 @@
   <p:cSld>
     <p:spTree>
       <p:nvGrpSpPr>
-        <p:cNvPr id="179" name="Shape 179"/>
+        <p:cNvPr id="183" name="Shape 183"/>
         <p:cNvGrpSpPr/>
         <p:nvPr/>
       </p:nvGrpSpPr>
@@ -19671,7 +19923,7 @@
       </p:grpSpPr>
       <p:pic>
         <p:nvPicPr>
-          <p:cNvPr id="180" name="Google Shape;180;p34"/>
+          <p:cNvPr id="184" name="Google Shape;184;p34"/>
           <p:cNvPicPr preferRelativeResize="0"/>
           <p:nvPr/>
         </p:nvPicPr>
@@ -19698,7 +19950,7 @@
       </p:pic>
       <p:sp>
         <p:nvSpPr>
-          <p:cNvPr id="181" name="Google Shape;181;p34"/>
+          <p:cNvPr id="185" name="Google Shape;185;p34"/>
           <p:cNvSpPr txBox="1"/>
           <p:nvPr>
             <p:ph type="title"/>
@@ -19755,7 +20007,7 @@
       </p:sp>
       <p:sp>
         <p:nvSpPr>
-          <p:cNvPr id="182" name="Google Shape;182;p34"/>
+          <p:cNvPr id="186" name="Google Shape;186;p34"/>
           <p:cNvSpPr txBox="1"/>
           <p:nvPr/>
         </p:nvSpPr>
@@ -20167,7 +20419,7 @@
   <p:cSld>
     <p:spTree>
       <p:nvGrpSpPr>
-        <p:cNvPr id="186" name="Shape 186"/>
+        <p:cNvPr id="190" name="Shape 190"/>
         <p:cNvGrpSpPr/>
         <p:nvPr/>
       </p:nvGrpSpPr>
@@ -20181,7 +20433,7 @@
       </p:grpSpPr>
       <p:pic>
         <p:nvPicPr>
-          <p:cNvPr id="187" name="Google Shape;187;p35"/>
+          <p:cNvPr id="191" name="Google Shape;191;p35"/>
           <p:cNvPicPr preferRelativeResize="0"/>
           <p:nvPr/>
         </p:nvPicPr>
@@ -20208,7 +20460,7 @@
       </p:pic>
       <p:sp>
         <p:nvSpPr>
-          <p:cNvPr id="188" name="Google Shape;188;p35"/>
+          <p:cNvPr id="192" name="Google Shape;192;p35"/>
           <p:cNvSpPr txBox="1"/>
           <p:nvPr>
             <p:ph type="title"/>
@@ -20265,7 +20517,7 @@
       </p:sp>
       <p:sp>
         <p:nvSpPr>
-          <p:cNvPr id="189" name="Google Shape;189;p35"/>
+          <p:cNvPr id="193" name="Google Shape;193;p35"/>
           <p:cNvSpPr txBox="1"/>
           <p:nvPr/>
         </p:nvSpPr>
@@ -20345,7 +20597,7 @@
                 <a:cs typeface="Roboto"/>
                 <a:sym typeface="Roboto"/>
               </a:rPr>
-              <a:t>[SDV Hackathon 2025 - Pitching Slides Template] was created for you to use. It will be available in your Team’s Repository.</a:t>
+              <a:t>[SDV Hackathon 2025 - Pitching Slides Template] was created for you to use. It will be available in your Team’s Repository nearby your Solution Plan.</a:t>
             </a:r>
             <a:endParaRPr sz="1900">
               <a:solidFill>
@@ -20472,7 +20724,93 @@
               </a:rPr>
               <a:t>, to show you how you should structure your presentation.</a:t>
             </a:r>
+            <a:br>
+              <a:rPr lang="en" sz="1900">
+                <a:solidFill>
+                  <a:srgbClr val="222222"/>
+                </a:solidFill>
+                <a:highlight>
+                  <a:schemeClr val="lt1"/>
+                </a:highlight>
+                <a:latin typeface="Roboto"/>
+                <a:ea typeface="Roboto"/>
+                <a:cs typeface="Roboto"/>
+                <a:sym typeface="Roboto"/>
+              </a:rPr>
+            </a:br>
             <a:endParaRPr sz="1900">
+              <a:solidFill>
+                <a:srgbClr val="222222"/>
+              </a:solidFill>
+              <a:highlight>
+                <a:schemeClr val="lt1"/>
+              </a:highlight>
+              <a:latin typeface="Roboto"/>
+              <a:ea typeface="Roboto"/>
+              <a:cs typeface="Roboto"/>
+              <a:sym typeface="Roboto"/>
+            </a:endParaRPr>
+          </a:p>
+          <a:p>
+            <a:pPr indent="-349250" lvl="0" marL="457200" rtl="0" algn="l">
+              <a:spcBef>
+                <a:spcPts val="0"/>
+              </a:spcBef>
+              <a:spcAft>
+                <a:spcPts val="0"/>
+              </a:spcAft>
+              <a:buClr>
+                <a:srgbClr val="222222"/>
+              </a:buClr>
+              <a:buSzPts val="1900"/>
+              <a:buFont typeface="Roboto"/>
+              <a:buChar char="●"/>
+            </a:pPr>
+            <a:r>
+              <a:rPr b="1" lang="en" sz="1900">
+                <a:solidFill>
+                  <a:srgbClr val="222222"/>
+                </a:solidFill>
+                <a:highlight>
+                  <a:schemeClr val="lt1"/>
+                </a:highlight>
+                <a:latin typeface="Roboto"/>
+                <a:ea typeface="Roboto"/>
+                <a:cs typeface="Roboto"/>
+                <a:sym typeface="Roboto"/>
+              </a:rPr>
+              <a:t>Deadline! Finish and Upload you own Pitch Slides until</a:t>
+            </a:r>
+            <a:br>
+              <a:rPr b="1" lang="en" sz="1900">
+                <a:solidFill>
+                  <a:srgbClr val="222222"/>
+                </a:solidFill>
+                <a:highlight>
+                  <a:schemeClr val="lt1"/>
+                </a:highlight>
+                <a:latin typeface="Roboto"/>
+                <a:ea typeface="Roboto"/>
+                <a:cs typeface="Roboto"/>
+                <a:sym typeface="Roboto"/>
+              </a:rPr>
+            </a:br>
+            <a:r>
+              <a:rPr b="1" lang="en" sz="1900">
+                <a:solidFill>
+                  <a:srgbClr val="222222"/>
+                </a:solidFill>
+                <a:highlight>
+                  <a:schemeClr val="lt1"/>
+                </a:highlight>
+                <a:latin typeface="Roboto"/>
+                <a:ea typeface="Roboto"/>
+                <a:cs typeface="Roboto"/>
+                <a:sym typeface="Roboto"/>
+              </a:rPr>
+              <a:t>02.10.2025 Berlin: (12:00 CET) / Porto 11:00 (GMT+1)</a:t>
+            </a:r>
+            <a:endParaRPr b="1" sz="1900">
               <a:solidFill>
                 <a:srgbClr val="222222"/>
               </a:solidFill>
@@ -20588,7 +20926,7 @@
   <p:cSld>
     <p:spTree>
       <p:nvGrpSpPr>
-        <p:cNvPr id="193" name="Shape 193"/>
+        <p:cNvPr id="197" name="Shape 197"/>
         <p:cNvGrpSpPr/>
         <p:nvPr/>
       </p:nvGrpSpPr>
@@ -20602,7 +20940,7 @@
       </p:grpSpPr>
       <p:pic>
         <p:nvPicPr>
-          <p:cNvPr id="194" name="Google Shape;194;p36"/>
+          <p:cNvPr id="198" name="Google Shape;198;p36"/>
           <p:cNvPicPr preferRelativeResize="0"/>
           <p:nvPr/>
         </p:nvPicPr>
@@ -20629,7 +20967,7 @@
       </p:pic>
       <p:sp>
         <p:nvSpPr>
-          <p:cNvPr id="195" name="Google Shape;195;p36"/>
+          <p:cNvPr id="199" name="Google Shape;199;p36"/>
           <p:cNvSpPr txBox="1"/>
           <p:nvPr>
             <p:ph type="title"/>
@@ -20686,7 +21024,7 @@
       </p:sp>
       <p:sp>
         <p:nvSpPr>
-          <p:cNvPr id="196" name="Google Shape;196;p36"/>
+          <p:cNvPr id="200" name="Google Shape;200;p36"/>
           <p:cNvSpPr txBox="1"/>
           <p:nvPr/>
         </p:nvSpPr>
@@ -21207,7 +21545,7 @@
   <p:cSld>
     <p:spTree>
       <p:nvGrpSpPr>
-        <p:cNvPr id="200" name="Shape 200"/>
+        <p:cNvPr id="204" name="Shape 204"/>
         <p:cNvGrpSpPr/>
         <p:nvPr/>
       </p:nvGrpSpPr>
@@ -21221,7 +21559,7 @@
       </p:grpSpPr>
       <p:pic>
         <p:nvPicPr>
-          <p:cNvPr id="201" name="Google Shape;201;p37"/>
+          <p:cNvPr id="205" name="Google Shape;205;p37"/>
           <p:cNvPicPr preferRelativeResize="0"/>
           <p:nvPr/>
         </p:nvPicPr>
@@ -21248,7 +21586,7 @@
       </p:pic>
       <p:sp>
         <p:nvSpPr>
-          <p:cNvPr id="202" name="Google Shape;202;p37"/>
+          <p:cNvPr id="206" name="Google Shape;206;p37"/>
           <p:cNvSpPr txBox="1"/>
           <p:nvPr>
             <p:ph type="title"/>
@@ -21305,7 +21643,7 @@
       </p:sp>
       <p:sp>
         <p:nvSpPr>
-          <p:cNvPr id="203" name="Google Shape;203;p37"/>
+          <p:cNvPr id="207" name="Google Shape;207;p37"/>
           <p:cNvSpPr txBox="1"/>
           <p:nvPr/>
         </p:nvSpPr>
@@ -21661,7 +21999,7 @@
   <p:cSld>
     <p:spTree>
       <p:nvGrpSpPr>
-        <p:cNvPr id="207" name="Shape 207"/>
+        <p:cNvPr id="211" name="Shape 211"/>
         <p:cNvGrpSpPr/>
         <p:nvPr/>
       </p:nvGrpSpPr>
@@ -21675,7 +22013,7 @@
       </p:grpSpPr>
       <p:pic>
         <p:nvPicPr>
-          <p:cNvPr id="208" name="Google Shape;208;p38"/>
+          <p:cNvPr id="212" name="Google Shape;212;p38"/>
           <p:cNvPicPr preferRelativeResize="0"/>
           <p:nvPr/>
         </p:nvPicPr>
@@ -21702,7 +22040,7 @@
       </p:pic>
       <p:sp>
         <p:nvSpPr>
-          <p:cNvPr id="209" name="Google Shape;209;p38"/>
+          <p:cNvPr id="213" name="Google Shape;213;p38"/>
           <p:cNvSpPr txBox="1"/>
           <p:nvPr>
             <p:ph type="title"/>
@@ -21759,7 +22097,7 @@
       </p:sp>
       <p:sp>
         <p:nvSpPr>
-          <p:cNvPr id="210" name="Google Shape;210;p38"/>
+          <p:cNvPr id="214" name="Google Shape;214;p38"/>
           <p:cNvSpPr txBox="1"/>
           <p:nvPr/>
         </p:nvSpPr>
